--- a/hw03.pptx
+++ b/hw03.pptx
@@ -1221,7 +1221,7 @@
           <a:p>
             <a:r>
               <a:rPr lang="zh-TW" altLang="en-US" dirty="0"/>
-              <a:t>然而，一場突如其來的意外改變了這一切。某一天的下午，就跟平常一樣，跟朋友互相切磋球技，當我正準備搶籃板十，腳下一滑，右腳踝重重地扭傷。我的整個身體瞬間失去平衡，摔倒在地。疼痛從腳踝傳來，讓他幾乎無法站起來。</a:t>
+              <a:t>然而，一場突如其來的意外改變了這一切。某一天的下午，就跟平常一樣，跟朋友互相切磋球技，當我正準備搶籃板時，腳下一滑，右腳踝重重地扭傷。我的整個身體瞬間失去平衡，摔倒在地。疼痛從腳踝傳來，讓我幾乎無法站起來。</a:t>
             </a:r>
             <a:endParaRPr lang="en-US" dirty="0"/>
           </a:p>
@@ -1309,7 +1309,7 @@
           <a:p>
             <a:r>
               <a:rPr lang="zh-TW" altLang="en-US" dirty="0"/>
-              <a:t>醫生的診斷證實了他的擔憂：腳踝嚴重扭傷，需要長時間的休息和復健。我心中的籃球夢一度被打碎，眼看朋友們在球場上揮汗如雨，自己卻只能坐在旁邊，內心充滿失落和沮喪。我的目標變得遙不可及，甚至產生了放棄的念頭。</a:t>
+              <a:t>醫生的診斷證實了我的擔憂：腳踝嚴重扭傷，需要長時間的休息和復健。</a:t>
             </a:r>
             <a:endParaRPr lang="en-US" dirty="0"/>
           </a:p>
@@ -1404,7 +1404,7 @@
           <a:p>
             <a:r>
               <a:rPr lang="zh-TW" altLang="en-US" dirty="0"/>
-              <a:t>但我並不甘心，決定努力克服這一切。我開始進行復健，每天反覆練習著那些看似簡單卻痛苦的動作，從最基本的伸展腳踝開始，一步步增加強度。儘管過程艱辛，始終堅持，告訴自己：「總有一天，我會重返球場。」</a:t>
+              <a:t>但我並不甘心，決定努力克服這一切。我開始進行復健，儘管過程艱辛，始終堅持，告訴自己：「總有一天，我會重返球場。」</a:t>
             </a:r>
             <a:endParaRPr lang="en-US" dirty="0"/>
           </a:p>
@@ -27692,8 +27692,8 @@
           <a:lstStyle/>
           <a:p>
             <a:r>
-              <a:rPr lang="zh-TW" altLang="en-US" dirty="0"/>
-              <a:t>校園故事</a:t>
+              <a:rPr lang="zh-TW" altLang="en-US"/>
+              <a:t>校園冒險故事</a:t>
             </a:r>
             <a:endParaRPr lang="en-US" dirty="0"/>
           </a:p>
@@ -27770,6 +27770,58 @@
               <a:t>10</a:t>
             </a:fld>
             <a:endParaRPr lang="en-US" dirty="0"/>
+          </a:p>
+        </p:txBody>
+      </p:sp>
+      <p:sp>
+        <p:nvSpPr>
+          <p:cNvPr id="3" name="文字方塊 2">
+            <a:extLst>
+              <a:ext uri="{FF2B5EF4-FFF2-40B4-BE49-F238E27FC236}">
+                <a16:creationId xmlns:a16="http://schemas.microsoft.com/office/drawing/2014/main" id="{158E9B34-B6EF-50E8-13F1-1EFC66871568}"/>
+              </a:ext>
+            </a:extLst>
+          </p:cNvPr>
+          <p:cNvSpPr txBox="1"/>
+          <p:nvPr/>
+        </p:nvSpPr>
+        <p:spPr>
+          <a:xfrm>
+            <a:off x="159657" y="1876700"/>
+            <a:ext cx="3773715" cy="1200329"/>
+          </a:xfrm>
+          <a:prstGeom prst="rect">
+            <a:avLst/>
+          </a:prstGeom>
+          <a:noFill/>
+        </p:spPr>
+        <p:txBody>
+          <a:bodyPr wrap="square" rtlCol="0">
+            <a:spAutoFit/>
+          </a:bodyPr>
+          <a:lstStyle/>
+          <a:p>
+            <a:r>
+              <a:rPr lang="en-US" sz="7200" dirty="0">
+                <a:solidFill>
+                  <a:schemeClr val="bg1"/>
+                </a:solidFill>
+              </a:rPr>
+              <a:t>7. </a:t>
+            </a:r>
+            <a:r>
+              <a:rPr lang="zh-TW" altLang="en-US" sz="7200" dirty="0">
+                <a:solidFill>
+                  <a:schemeClr val="bg1"/>
+                </a:solidFill>
+              </a:rPr>
+              <a:t>結局</a:t>
+            </a:r>
+            <a:endParaRPr lang="en-US" sz="7200" dirty="0">
+              <a:solidFill>
+                <a:schemeClr val="bg1"/>
+              </a:solidFill>
+            </a:endParaRPr>
           </a:p>
         </p:txBody>
       </p:sp>
@@ -27938,6 +27990,58 @@
           </a:p>
         </p:txBody>
       </p:sp>
+      <p:sp>
+        <p:nvSpPr>
+          <p:cNvPr id="3" name="文字方塊 2">
+            <a:extLst>
+              <a:ext uri="{FF2B5EF4-FFF2-40B4-BE49-F238E27FC236}">
+                <a16:creationId xmlns:a16="http://schemas.microsoft.com/office/drawing/2014/main" id="{42963A35-6A3C-3970-C2A4-0330537A1EAF}"/>
+              </a:ext>
+            </a:extLst>
+          </p:cNvPr>
+          <p:cNvSpPr txBox="1"/>
+          <p:nvPr/>
+        </p:nvSpPr>
+        <p:spPr>
+          <a:xfrm>
+            <a:off x="275771" y="381728"/>
+            <a:ext cx="3773715" cy="1200329"/>
+          </a:xfrm>
+          <a:prstGeom prst="rect">
+            <a:avLst/>
+          </a:prstGeom>
+          <a:noFill/>
+        </p:spPr>
+        <p:txBody>
+          <a:bodyPr wrap="square" rtlCol="0">
+            <a:spAutoFit/>
+          </a:bodyPr>
+          <a:lstStyle/>
+          <a:p>
+            <a:r>
+              <a:rPr lang="en-US" sz="7200" dirty="0">
+                <a:solidFill>
+                  <a:schemeClr val="bg1"/>
+                </a:solidFill>
+              </a:rPr>
+              <a:t>1. </a:t>
+            </a:r>
+            <a:r>
+              <a:rPr lang="zh-TW" altLang="en-US" sz="7200" dirty="0">
+                <a:solidFill>
+                  <a:schemeClr val="bg1"/>
+                </a:solidFill>
+              </a:rPr>
+              <a:t>目標</a:t>
+            </a:r>
+            <a:endParaRPr lang="en-US" sz="7200" dirty="0">
+              <a:solidFill>
+                <a:schemeClr val="bg1"/>
+              </a:solidFill>
+            </a:endParaRPr>
+          </a:p>
+        </p:txBody>
+      </p:sp>
     </p:spTree>
     <p:extLst>
       <p:ext uri="{BB962C8B-B14F-4D97-AF65-F5344CB8AC3E}">
@@ -28083,6 +28187,58 @@
               <a:t>4</a:t>
             </a:fld>
             <a:endParaRPr lang="en-US" dirty="0"/>
+          </a:p>
+        </p:txBody>
+      </p:sp>
+      <p:sp>
+        <p:nvSpPr>
+          <p:cNvPr id="3" name="文字方塊 2">
+            <a:extLst>
+              <a:ext uri="{FF2B5EF4-FFF2-40B4-BE49-F238E27FC236}">
+                <a16:creationId xmlns:a16="http://schemas.microsoft.com/office/drawing/2014/main" id="{04E4B1A4-A292-64EB-E30D-03F5FC9967D9}"/>
+              </a:ext>
+            </a:extLst>
+          </p:cNvPr>
+          <p:cNvSpPr txBox="1"/>
+          <p:nvPr/>
+        </p:nvSpPr>
+        <p:spPr>
+          <a:xfrm>
+            <a:off x="159657" y="1876700"/>
+            <a:ext cx="3773715" cy="1200329"/>
+          </a:xfrm>
+          <a:prstGeom prst="rect">
+            <a:avLst/>
+          </a:prstGeom>
+          <a:noFill/>
+        </p:spPr>
+        <p:txBody>
+          <a:bodyPr wrap="square" rtlCol="0">
+            <a:spAutoFit/>
+          </a:bodyPr>
+          <a:lstStyle/>
+          <a:p>
+            <a:r>
+              <a:rPr lang="en-US" sz="7200" dirty="0">
+                <a:solidFill>
+                  <a:srgbClr val="000000"/>
+                </a:solidFill>
+              </a:rPr>
+              <a:t>2. </a:t>
+            </a:r>
+            <a:r>
+              <a:rPr lang="zh-TW" altLang="en-US" sz="7200" dirty="0">
+                <a:solidFill>
+                  <a:srgbClr val="000000"/>
+                </a:solidFill>
+              </a:rPr>
+              <a:t>阻礙</a:t>
+            </a:r>
+            <a:endParaRPr lang="en-US" sz="7200" dirty="0">
+              <a:solidFill>
+                <a:srgbClr val="000000"/>
+              </a:solidFill>
+            </a:endParaRPr>
           </a:p>
         </p:txBody>
       </p:sp>
@@ -28234,6 +28390,58 @@
           </a:p>
         </p:txBody>
       </p:sp>
+      <p:sp>
+        <p:nvSpPr>
+          <p:cNvPr id="3" name="文字方塊 2">
+            <a:extLst>
+              <a:ext uri="{FF2B5EF4-FFF2-40B4-BE49-F238E27FC236}">
+                <a16:creationId xmlns:a16="http://schemas.microsoft.com/office/drawing/2014/main" id="{68AFCB6F-9BD0-8074-6571-5B69850C0790}"/>
+              </a:ext>
+            </a:extLst>
+          </p:cNvPr>
+          <p:cNvSpPr txBox="1"/>
+          <p:nvPr/>
+        </p:nvSpPr>
+        <p:spPr>
+          <a:xfrm>
+            <a:off x="159657" y="1876700"/>
+            <a:ext cx="3773715" cy="1200329"/>
+          </a:xfrm>
+          <a:prstGeom prst="rect">
+            <a:avLst/>
+          </a:prstGeom>
+          <a:noFill/>
+        </p:spPr>
+        <p:txBody>
+          <a:bodyPr wrap="square" rtlCol="0">
+            <a:spAutoFit/>
+          </a:bodyPr>
+          <a:lstStyle/>
+          <a:p>
+            <a:r>
+              <a:rPr lang="en-US" sz="7200" dirty="0">
+                <a:solidFill>
+                  <a:schemeClr val="bg1"/>
+                </a:solidFill>
+              </a:rPr>
+              <a:t>3. </a:t>
+            </a:r>
+            <a:r>
+              <a:rPr lang="zh-TW" altLang="en-US" sz="7200" dirty="0">
+                <a:solidFill>
+                  <a:schemeClr val="bg1"/>
+                </a:solidFill>
+              </a:rPr>
+              <a:t>努力</a:t>
+            </a:r>
+            <a:endParaRPr lang="en-US" sz="7200" dirty="0">
+              <a:solidFill>
+                <a:schemeClr val="bg1"/>
+              </a:solidFill>
+            </a:endParaRPr>
+          </a:p>
+        </p:txBody>
+      </p:sp>
     </p:spTree>
     <p:extLst>
       <p:ext uri="{BB962C8B-B14F-4D97-AF65-F5344CB8AC3E}">
@@ -28305,6 +28513,58 @@
               <a:t>7</a:t>
             </a:fld>
             <a:endParaRPr lang="en-US" dirty="0"/>
+          </a:p>
+        </p:txBody>
+      </p:sp>
+      <p:sp>
+        <p:nvSpPr>
+          <p:cNvPr id="3" name="文字方塊 2">
+            <a:extLst>
+              <a:ext uri="{FF2B5EF4-FFF2-40B4-BE49-F238E27FC236}">
+                <a16:creationId xmlns:a16="http://schemas.microsoft.com/office/drawing/2014/main" id="{048E7EE2-051B-8EBD-3075-C7AEF5347F5A}"/>
+              </a:ext>
+            </a:extLst>
+          </p:cNvPr>
+          <p:cNvSpPr txBox="1"/>
+          <p:nvPr/>
+        </p:nvSpPr>
+        <p:spPr>
+          <a:xfrm>
+            <a:off x="174172" y="3429000"/>
+            <a:ext cx="3773715" cy="1200329"/>
+          </a:xfrm>
+          <a:prstGeom prst="rect">
+            <a:avLst/>
+          </a:prstGeom>
+          <a:noFill/>
+        </p:spPr>
+        <p:txBody>
+          <a:bodyPr wrap="square" rtlCol="0">
+            <a:spAutoFit/>
+          </a:bodyPr>
+          <a:lstStyle/>
+          <a:p>
+            <a:r>
+              <a:rPr lang="en-US" sz="7200" dirty="0">
+                <a:solidFill>
+                  <a:schemeClr val="bg1"/>
+                </a:solidFill>
+              </a:rPr>
+              <a:t>4. </a:t>
+            </a:r>
+            <a:r>
+              <a:rPr lang="zh-TW" altLang="en-US" sz="7200" dirty="0">
+                <a:solidFill>
+                  <a:schemeClr val="bg1"/>
+                </a:solidFill>
+              </a:rPr>
+              <a:t>結果</a:t>
+            </a:r>
+            <a:endParaRPr lang="en-US" sz="7200" dirty="0">
+              <a:solidFill>
+                <a:schemeClr val="bg1"/>
+              </a:solidFill>
+            </a:endParaRPr>
           </a:p>
         </p:txBody>
       </p:sp>
@@ -28382,6 +28642,58 @@
           </a:p>
         </p:txBody>
       </p:sp>
+      <p:sp>
+        <p:nvSpPr>
+          <p:cNvPr id="3" name="文字方塊 2">
+            <a:extLst>
+              <a:ext uri="{FF2B5EF4-FFF2-40B4-BE49-F238E27FC236}">
+                <a16:creationId xmlns:a16="http://schemas.microsoft.com/office/drawing/2014/main" id="{732E2D60-4FE3-063B-839E-557EC9DCB2D0}"/>
+              </a:ext>
+            </a:extLst>
+          </p:cNvPr>
+          <p:cNvSpPr txBox="1"/>
+          <p:nvPr/>
+        </p:nvSpPr>
+        <p:spPr>
+          <a:xfrm>
+            <a:off x="159657" y="1876700"/>
+            <a:ext cx="3773715" cy="1200329"/>
+          </a:xfrm>
+          <a:prstGeom prst="rect">
+            <a:avLst/>
+          </a:prstGeom>
+          <a:noFill/>
+        </p:spPr>
+        <p:txBody>
+          <a:bodyPr wrap="square" rtlCol="0">
+            <a:spAutoFit/>
+          </a:bodyPr>
+          <a:lstStyle/>
+          <a:p>
+            <a:r>
+              <a:rPr lang="en-US" sz="7200" dirty="0">
+                <a:solidFill>
+                  <a:srgbClr val="000000"/>
+                </a:solidFill>
+              </a:rPr>
+              <a:t>5. </a:t>
+            </a:r>
+            <a:r>
+              <a:rPr lang="zh-TW" altLang="en-US" sz="7200" dirty="0">
+                <a:solidFill>
+                  <a:srgbClr val="000000"/>
+                </a:solidFill>
+              </a:rPr>
+              <a:t>意外</a:t>
+            </a:r>
+            <a:endParaRPr lang="en-US" sz="7200" dirty="0">
+              <a:solidFill>
+                <a:srgbClr val="000000"/>
+              </a:solidFill>
+            </a:endParaRPr>
+          </a:p>
+        </p:txBody>
+      </p:sp>
     </p:spTree>
     <p:extLst>
       <p:ext uri="{BB962C8B-B14F-4D97-AF65-F5344CB8AC3E}">
@@ -28453,6 +28765,58 @@
               <a:t>9</a:t>
             </a:fld>
             <a:endParaRPr lang="en-US" dirty="0"/>
+          </a:p>
+        </p:txBody>
+      </p:sp>
+      <p:sp>
+        <p:nvSpPr>
+          <p:cNvPr id="3" name="文字方塊 2">
+            <a:extLst>
+              <a:ext uri="{FF2B5EF4-FFF2-40B4-BE49-F238E27FC236}">
+                <a16:creationId xmlns:a16="http://schemas.microsoft.com/office/drawing/2014/main" id="{3C881DAF-4571-5CCC-90D3-4964690E7552}"/>
+              </a:ext>
+            </a:extLst>
+          </p:cNvPr>
+          <p:cNvSpPr txBox="1"/>
+          <p:nvPr/>
+        </p:nvSpPr>
+        <p:spPr>
+          <a:xfrm>
+            <a:off x="203200" y="3937728"/>
+            <a:ext cx="3773715" cy="1200329"/>
+          </a:xfrm>
+          <a:prstGeom prst="rect">
+            <a:avLst/>
+          </a:prstGeom>
+          <a:noFill/>
+        </p:spPr>
+        <p:txBody>
+          <a:bodyPr wrap="square" rtlCol="0">
+            <a:spAutoFit/>
+          </a:bodyPr>
+          <a:lstStyle/>
+          <a:p>
+            <a:r>
+              <a:rPr lang="en-US" sz="7200" dirty="0">
+                <a:solidFill>
+                  <a:schemeClr val="bg1"/>
+                </a:solidFill>
+              </a:rPr>
+              <a:t>6. </a:t>
+            </a:r>
+            <a:r>
+              <a:rPr lang="zh-TW" altLang="en-US" sz="7200" dirty="0">
+                <a:solidFill>
+                  <a:schemeClr val="bg1"/>
+                </a:solidFill>
+              </a:rPr>
+              <a:t>轉彎</a:t>
+            </a:r>
+            <a:endParaRPr lang="en-US" sz="7200" dirty="0">
+              <a:solidFill>
+                <a:schemeClr val="bg1"/>
+              </a:solidFill>
+            </a:endParaRPr>
           </a:p>
         </p:txBody>
       </p:sp>
